--- a/Fundmentals_R-klou.pptx
+++ b/Fundmentals_R-klou.pptx
@@ -222,7 +222,7 @@
           <a:p>
             <a:fld id="{5939952E-1445-0549-939F-D1F24093F004}" type="datetimeFigureOut">
               <a:rPr kumimoji="1" lang="zh-TW" altLang="en-US" smtClean="0"/>
-              <a:t>2020/5/18</a:t>
+              <a:t>2020/12/21</a:t>
             </a:fld>
             <a:endParaRPr kumimoji="1" lang="zh-TW" altLang="en-US"/>
           </a:p>
@@ -824,7 +824,7 @@
           <a:p>
             <a:fld id="{7F5FED9D-9383-8244-8F08-0E5298CC386D}" type="datetimeFigureOut">
               <a:rPr kumimoji="1" lang="zh-TW" altLang="en-US" smtClean="0"/>
-              <a:t>2020/5/18</a:t>
+              <a:t>2020/12/21</a:t>
             </a:fld>
             <a:endParaRPr kumimoji="1" lang="zh-TW" altLang="en-US"/>
           </a:p>
@@ -1130,7 +1130,7 @@
           <a:p>
             <a:fld id="{7F5FED9D-9383-8244-8F08-0E5298CC386D}" type="datetimeFigureOut">
               <a:rPr kumimoji="1" lang="zh-TW" altLang="en-US" smtClean="0"/>
-              <a:t>2020/5/18</a:t>
+              <a:t>2020/12/21</a:t>
             </a:fld>
             <a:endParaRPr kumimoji="1" lang="zh-TW" altLang="en-US"/>
           </a:p>
@@ -1286,7 +1286,7 @@
           <a:p>
             <a:fld id="{7F5FED9D-9383-8244-8F08-0E5298CC386D}" type="datetimeFigureOut">
               <a:rPr kumimoji="1" lang="zh-TW" altLang="en-US" smtClean="0"/>
-              <a:t>2020/5/18</a:t>
+              <a:t>2020/12/21</a:t>
             </a:fld>
             <a:endParaRPr kumimoji="1" lang="zh-TW" altLang="en-US"/>
           </a:p>
@@ -1432,7 +1432,7 @@
           <a:p>
             <a:fld id="{7F5FED9D-9383-8244-8F08-0E5298CC386D}" type="datetimeFigureOut">
               <a:rPr kumimoji="1" lang="zh-TW" altLang="en-US" smtClean="0"/>
-              <a:t>2020/5/18</a:t>
+              <a:t>2020/12/21</a:t>
             </a:fld>
             <a:endParaRPr kumimoji="1" lang="zh-TW" altLang="en-US"/>
           </a:p>
@@ -1714,7 +1714,7 @@
           <a:p>
             <a:fld id="{7F5FED9D-9383-8244-8F08-0E5298CC386D}" type="datetimeFigureOut">
               <a:rPr kumimoji="1" lang="zh-TW" altLang="en-US" smtClean="0"/>
-              <a:t>2020/5/18</a:t>
+              <a:t>2020/12/21</a:t>
             </a:fld>
             <a:endParaRPr kumimoji="1" lang="zh-TW" altLang="en-US"/>
           </a:p>
@@ -2060,7 +2060,7 @@
           <a:p>
             <a:fld id="{7F5FED9D-9383-8244-8F08-0E5298CC386D}" type="datetimeFigureOut">
               <a:rPr kumimoji="1" lang="zh-TW" altLang="en-US" smtClean="0"/>
-              <a:t>2020/5/18</a:t>
+              <a:t>2020/12/21</a:t>
             </a:fld>
             <a:endParaRPr kumimoji="1" lang="zh-TW" altLang="en-US"/>
           </a:p>
@@ -2499,7 +2499,7 @@
           <a:p>
             <a:fld id="{7F5FED9D-9383-8244-8F08-0E5298CC386D}" type="datetimeFigureOut">
               <a:rPr kumimoji="1" lang="zh-TW" altLang="en-US" smtClean="0"/>
-              <a:t>2020/5/18</a:t>
+              <a:t>2020/12/21</a:t>
             </a:fld>
             <a:endParaRPr kumimoji="1" lang="zh-TW" altLang="en-US"/>
           </a:p>
@@ -2617,7 +2617,7 @@
           <a:p>
             <a:fld id="{7F5FED9D-9383-8244-8F08-0E5298CC386D}" type="datetimeFigureOut">
               <a:rPr kumimoji="1" lang="zh-TW" altLang="en-US" smtClean="0"/>
-              <a:t>2020/5/18</a:t>
+              <a:t>2020/12/21</a:t>
             </a:fld>
             <a:endParaRPr kumimoji="1" lang="zh-TW" altLang="en-US"/>
           </a:p>
@@ -2712,7 +2712,7 @@
           <a:p>
             <a:fld id="{7F5FED9D-9383-8244-8F08-0E5298CC386D}" type="datetimeFigureOut">
               <a:rPr kumimoji="1" lang="zh-TW" altLang="en-US" smtClean="0"/>
-              <a:t>2020/5/18</a:t>
+              <a:t>2020/12/21</a:t>
             </a:fld>
             <a:endParaRPr kumimoji="1" lang="zh-TW" altLang="en-US"/>
           </a:p>
@@ -3039,7 +3039,7 @@
           <a:p>
             <a:fld id="{7F5FED9D-9383-8244-8F08-0E5298CC386D}" type="datetimeFigureOut">
               <a:rPr kumimoji="1" lang="zh-TW" altLang="en-US" smtClean="0"/>
-              <a:t>2020/5/18</a:t>
+              <a:t>2020/12/21</a:t>
             </a:fld>
             <a:endParaRPr kumimoji="1" lang="zh-TW" altLang="en-US"/>
           </a:p>
@@ -3432,7 +3432,7 @@
           <a:p>
             <a:fld id="{7F5FED9D-9383-8244-8F08-0E5298CC386D}" type="datetimeFigureOut">
               <a:rPr kumimoji="1" lang="zh-TW" altLang="en-US" smtClean="0"/>
-              <a:t>2020/5/18</a:t>
+              <a:t>2020/12/21</a:t>
             </a:fld>
             <a:endParaRPr kumimoji="1" lang="zh-TW" altLang="en-US"/>
           </a:p>
@@ -3686,7 +3686,7 @@
           <a:p>
             <a:fld id="{7F5FED9D-9383-8244-8F08-0E5298CC386D}" type="datetimeFigureOut">
               <a:rPr kumimoji="1" lang="zh-TW" altLang="en-US" smtClean="0"/>
-              <a:t>2020/5/18</a:t>
+              <a:t>2020/12/21</a:t>
             </a:fld>
             <a:endParaRPr kumimoji="1" lang="zh-TW" altLang="en-US"/>
           </a:p>
@@ -4221,7 +4221,11 @@
           <a:p>
             <a:r>
               <a:rPr kumimoji="1" lang="en-US" altLang="zh-TW" dirty="0"/>
-              <a:t>Notes of R Language</a:t>
+              <a:t>FIRST </a:t>
+            </a:r>
+            <a:r>
+              <a:rPr kumimoji="1" lang="en-US" altLang="zh-TW"/>
+              <a:t>STEP OF R</a:t>
             </a:r>
             <a:endParaRPr kumimoji="1" lang="zh-TW" altLang="en-US" dirty="0"/>
           </a:p>
